--- a/report/figs/imaPro.pptx
+++ b/report/figs/imaPro.pptx
@@ -9,6 +9,7 @@
     <p:sldId id="257" r:id="rId4"/>
     <p:sldId id="259" r:id="rId5"/>
     <p:sldId id="258" r:id="rId6"/>
+    <p:sldId id="261" r:id="rId7"/>
   </p:sldIdLst>
   <p:sldSz cx="16761460" cy="6858000"/>
   <p:notesSz cx="6858000" cy="9144000"/>
@@ -3241,14 +3242,14 @@
             </a:bodyPr>
             <a:p>
               <a:r>
-                <a:rPr lang="" altLang="en-US" sz="2400">
+                <a:rPr lang="en-US" altLang="en-US" sz="2400">
                   <a:solidFill>
                     <a:srgbClr val="FF0000"/>
                   </a:solidFill>
                 </a:rPr>
                 <a:t>Nr: 69612</a:t>
               </a:r>
-              <a:endParaRPr lang="" altLang="en-US" sz="2400">
+              <a:endParaRPr lang="en-US" altLang="en-US" sz="2400">
                 <a:solidFill>
                   <a:srgbClr val="FF0000"/>
                 </a:solidFill>
@@ -3391,17 +3392,9 @@
                     <a:srgbClr val="FF0000"/>
                   </a:solidFill>
                 </a:rPr>
-                <a:t>Nr: 69</a:t>
+                <a:t>Nr: 69816</a:t>
               </a:r>
-              <a:r>
-                <a:rPr lang="" altLang="en-US" sz="2400">
-                  <a:solidFill>
-                    <a:srgbClr val="FF0000"/>
-                  </a:solidFill>
-                </a:rPr>
-                <a:t>816</a:t>
-              </a:r>
-              <a:endParaRPr lang="" altLang="en-US" sz="2400">
+              <a:endParaRPr lang="en-US" altLang="en-US" sz="2400">
                 <a:solidFill>
                   <a:srgbClr val="FF0000"/>
                 </a:solidFill>
@@ -3544,17 +3537,9 @@
                     <a:srgbClr val="FF0000"/>
                   </a:solidFill>
                 </a:rPr>
-                <a:t>Nr: 69</a:t>
+                <a:t>Nr: 69811</a:t>
               </a:r>
-              <a:r>
-                <a:rPr lang="" altLang="en-US" sz="2400">
-                  <a:solidFill>
-                    <a:srgbClr val="FF0000"/>
-                  </a:solidFill>
-                </a:rPr>
-                <a:t>811</a:t>
-              </a:r>
-              <a:endParaRPr lang="" altLang="en-US" sz="2400">
+              <a:endParaRPr lang="en-US" altLang="en-US" sz="2400">
                 <a:solidFill>
                   <a:srgbClr val="FF0000"/>
                 </a:solidFill>
@@ -3697,33 +3682,9 @@
                     <a:srgbClr val="FF0000"/>
                   </a:solidFill>
                 </a:rPr>
-                <a:t>Nr: </a:t>
+                <a:t>Nr: 70650, 70654</a:t>
               </a:r>
-              <a:r>
-                <a:rPr lang="" altLang="en-US" sz="2400">
-                  <a:solidFill>
-                    <a:srgbClr val="FF0000"/>
-                  </a:solidFill>
-                </a:rPr>
-                <a:t>70</a:t>
-              </a:r>
-              <a:r>
-                <a:rPr lang="en-US" altLang="en-US" sz="2400">
-                  <a:solidFill>
-                    <a:srgbClr val="FF0000"/>
-                  </a:solidFill>
-                </a:rPr>
-                <a:t>6</a:t>
-              </a:r>
-              <a:r>
-                <a:rPr lang="" altLang="en-US" sz="2400">
-                  <a:solidFill>
-                    <a:srgbClr val="FF0000"/>
-                  </a:solidFill>
-                </a:rPr>
-                <a:t>50, 70654</a:t>
-              </a:r>
-              <a:endParaRPr lang="" altLang="en-US" sz="2400">
+              <a:endParaRPr lang="en-US" altLang="en-US" sz="2400">
                 <a:solidFill>
                   <a:srgbClr val="FF0000"/>
                 </a:solidFill>
@@ -3865,17 +3826,9 @@
                     <a:srgbClr val="FF0000"/>
                   </a:solidFill>
                 </a:rPr>
-                <a:t>Nr: </a:t>
+                <a:t>Nr: 70223~70240</a:t>
               </a:r>
-              <a:r>
-                <a:rPr lang="" altLang="en-US" sz="2400">
-                  <a:solidFill>
-                    <a:srgbClr val="FF0000"/>
-                  </a:solidFill>
-                </a:rPr>
-                <a:t>70223~70240</a:t>
-              </a:r>
-              <a:endParaRPr lang="" altLang="en-US" sz="2400">
+              <a:endParaRPr lang="en-US" altLang="en-US" sz="2400">
                 <a:solidFill>
                   <a:srgbClr val="FF0000"/>
                 </a:solidFill>
@@ -3951,10 +3904,10 @@
           </a:bodyPr>
           <a:p>
             <a:r>
-              <a:rPr lang="" altLang="en-US" sz="2000"/>
+              <a:rPr lang="en-US" altLang="en-US" sz="2000"/>
               <a:t>FWHM (GeV)</a:t>
             </a:r>
-            <a:endParaRPr lang="" altLang="en-US" sz="2000"/>
+            <a:endParaRPr lang="en-US" altLang="en-US" sz="2000"/>
           </a:p>
         </p:txBody>
       </p:sp>
@@ -4138,14 +4091,14 @@
           </a:bodyPr>
           <a:p>
             <a:r>
-              <a:rPr lang="" altLang="en-US" sz="2800">
+              <a:rPr lang="en-US" altLang="en-US" sz="2800">
                 <a:solidFill>
                   <a:srgbClr val="FF0000"/>
                 </a:solidFill>
               </a:rPr>
               <a:t>FWHM</a:t>
             </a:r>
-            <a:endParaRPr lang="" altLang="en-US" sz="2800">
+            <a:endParaRPr lang="en-US" altLang="en-US" sz="2800">
               <a:solidFill>
                 <a:srgbClr val="FF0000"/>
               </a:solidFill>
@@ -4302,6 +4255,187 @@
           <a:p>
             <a:pPr algn="ctr"/>
             <a:endParaRPr lang="en-US"/>
+          </a:p>
+        </p:txBody>
+      </p:sp>
+    </p:spTree>
+  </p:cSld>
+  <p:clrMapOvr>
+    <a:masterClrMapping/>
+  </p:clrMapOvr>
+</p:sld>
+</file>
+
+<file path=ppt/slides/slide5.xml><?xml version="1.0" encoding="utf-8"?>
+<p:sld xmlns:a="http://schemas.openxmlformats.org/drawingml/2006/main" xmlns:r="http://schemas.openxmlformats.org/officeDocument/2006/relationships" xmlns:p="http://schemas.openxmlformats.org/presentationml/2006/main">
+  <p:cSld>
+    <p:spTree>
+      <p:nvGrpSpPr>
+        <p:cNvPr id="1" name=""/>
+        <p:cNvGrpSpPr/>
+        <p:nvPr/>
+      </p:nvGrpSpPr>
+      <p:grpSpPr/>
+      <p:pic>
+        <p:nvPicPr>
+          <p:cNvPr id="2" name="Picture 1" descr="Recoil_proton_comp"/>
+          <p:cNvPicPr>
+            <a:picLocks noChangeAspect="1"/>
+          </p:cNvPicPr>
+          <p:nvPr/>
+        </p:nvPicPr>
+        <p:blipFill>
+          <a:blip r:embed="rId1"/>
+          <a:stretch>
+            <a:fillRect/>
+          </a:stretch>
+        </p:blipFill>
+        <p:spPr>
+          <a:xfrm>
+            <a:off x="63500" y="52705"/>
+            <a:ext cx="8519160" cy="6710680"/>
+          </a:xfrm>
+          <a:prstGeom prst="rect">
+            <a:avLst/>
+          </a:prstGeom>
+        </p:spPr>
+      </p:pic>
+      <p:cxnSp>
+        <p:nvCxnSpPr>
+          <p:cNvPr id="3" name="Straight Arrow Connector 2"/>
+          <p:cNvCxnSpPr/>
+          <p:nvPr/>
+        </p:nvCxnSpPr>
+        <p:spPr>
+          <a:xfrm>
+            <a:off x="3757930" y="4663440"/>
+            <a:ext cx="951230" cy="0"/>
+          </a:xfrm>
+          <a:prstGeom prst="straightConnector1">
+            <a:avLst/>
+          </a:prstGeom>
+          <a:ln w="28575">
+            <a:solidFill>
+              <a:srgbClr val="FF0000"/>
+            </a:solidFill>
+            <a:headEnd type="arrow"/>
+            <a:tailEnd type="arrow"/>
+          </a:ln>
+        </p:spPr>
+        <p:style>
+          <a:lnRef idx="1">
+            <a:schemeClr val="accent1"/>
+          </a:lnRef>
+          <a:fillRef idx="0">
+            <a:schemeClr val="accent1"/>
+          </a:fillRef>
+          <a:effectRef idx="0">
+            <a:schemeClr val="accent1"/>
+          </a:effectRef>
+          <a:fontRef idx="minor">
+            <a:schemeClr val="tx1"/>
+          </a:fontRef>
+        </p:style>
+      </p:cxnSp>
+      <p:cxnSp>
+        <p:nvCxnSpPr>
+          <p:cNvPr id="4" name="Straight Arrow Connector 3"/>
+          <p:cNvCxnSpPr/>
+          <p:nvPr/>
+        </p:nvCxnSpPr>
+        <p:spPr>
+          <a:xfrm>
+            <a:off x="2948940" y="4622800"/>
+            <a:ext cx="1760220" cy="0"/>
+          </a:xfrm>
+          <a:prstGeom prst="straightConnector1">
+            <a:avLst/>
+          </a:prstGeom>
+          <a:ln w="28575">
+            <a:solidFill>
+              <a:srgbClr val="0070C0"/>
+            </a:solidFill>
+            <a:headEnd type="arrow"/>
+            <a:tailEnd type="arrow"/>
+          </a:ln>
+        </p:spPr>
+        <p:style>
+          <a:lnRef idx="1">
+            <a:schemeClr val="accent1"/>
+          </a:lnRef>
+          <a:fillRef idx="0">
+            <a:schemeClr val="accent1"/>
+          </a:fillRef>
+          <a:effectRef idx="0">
+            <a:schemeClr val="accent1"/>
+          </a:effectRef>
+          <a:fontRef idx="minor">
+            <a:schemeClr val="tx1"/>
+          </a:fontRef>
+        </p:style>
+      </p:cxnSp>
+      <p:cxnSp>
+        <p:nvCxnSpPr>
+          <p:cNvPr id="5" name="Straight Connector 4"/>
+          <p:cNvCxnSpPr/>
+          <p:nvPr/>
+        </p:nvCxnSpPr>
+        <p:spPr>
+          <a:xfrm>
+            <a:off x="4693920" y="4649470"/>
+            <a:ext cx="1157605" cy="0"/>
+          </a:xfrm>
+          <a:prstGeom prst="line">
+            <a:avLst/>
+          </a:prstGeom>
+          <a:ln w="19050">
+            <a:solidFill>
+              <a:schemeClr val="tx1"/>
+            </a:solidFill>
+            <a:prstDash val="dash"/>
+          </a:ln>
+        </p:spPr>
+        <p:style>
+          <a:lnRef idx="1">
+            <a:schemeClr val="dk1"/>
+          </a:lnRef>
+          <a:fillRef idx="0">
+            <a:schemeClr val="dk1"/>
+          </a:fillRef>
+          <a:effectRef idx="0">
+            <a:schemeClr val="dk1"/>
+          </a:effectRef>
+          <a:fontRef idx="minor">
+            <a:schemeClr val="tx1"/>
+          </a:fontRef>
+        </p:style>
+      </p:cxnSp>
+      <p:sp>
+        <p:nvSpPr>
+          <p:cNvPr id="6" name="Text Box 5"/>
+          <p:cNvSpPr txBox="1"/>
+          <p:nvPr/>
+        </p:nvSpPr>
+        <p:spPr>
+          <a:xfrm>
+            <a:off x="5629275" y="4254500"/>
+            <a:ext cx="2821940" cy="460375"/>
+          </a:xfrm>
+          <a:prstGeom prst="rect">
+            <a:avLst/>
+          </a:prstGeom>
+          <a:noFill/>
+        </p:spPr>
+        <p:txBody>
+          <a:bodyPr wrap="square" rtlCol="0">
+            <a:spAutoFit/>
+          </a:bodyPr>
+          <a:p>
+            <a:r>
+              <a:rPr lang="" altLang="en-US" sz="2400"/>
+              <a:t>23% of maximal</a:t>
+            </a:r>
+            <a:endParaRPr lang="" altLang="en-US" sz="2400"/>
           </a:p>
         </p:txBody>
       </p:sp>
